--- a/DJANGO/Django.pptx
+++ b/DJANGO/Django.pptx
@@ -9,7 +9,10 @@
     <p:sldId id="257" r:id="rId3"/>
     <p:sldId id="258" r:id="rId4"/>
     <p:sldId id="259" r:id="rId5"/>
-    <p:sldId id="260" r:id="rId6"/>
+    <p:sldId id="261" r:id="rId6"/>
+    <p:sldId id="260" r:id="rId7"/>
+    <p:sldId id="263" r:id="rId8"/>
+    <p:sldId id="262" r:id="rId9"/>
   </p:sldIdLst>
   <p:sldSz cx="12192000" cy="6858000"/>
   <p:notesSz cx="6858000" cy="9144000"/>
@@ -108,6 +111,11 @@
       </a:defRPr>
     </a:lvl9pPr>
   </p:defaultTextStyle>
+  <p:extLst>
+    <p:ext uri="{EFAFB233-063F-42B5-8137-9DF3F51BA10A}">
+      <p15:sldGuideLst xmlns:p15="http://schemas.microsoft.com/office/powerpoint/2012/main"/>
+    </p:ext>
+  </p:extLst>
 </p:presentation>
 </file>
 
@@ -267,7 +275,7 @@
           <a:p>
             <a:fld id="{F07CD3FD-BE54-4400-942B-C6C15AA73DFD}" type="datetimeFigureOut">
               <a:rPr lang="en-US" smtClean="0"/>
-              <a:t>1/25/2024</a:t>
+              <a:t>1/26/2024</a:t>
             </a:fld>
             <a:endParaRPr lang="en-US"/>
           </a:p>
@@ -466,7 +474,7 @@
           <a:p>
             <a:fld id="{F07CD3FD-BE54-4400-942B-C6C15AA73DFD}" type="datetimeFigureOut">
               <a:rPr lang="en-US" smtClean="0"/>
-              <a:t>1/25/2024</a:t>
+              <a:t>1/26/2024</a:t>
             </a:fld>
             <a:endParaRPr lang="en-US"/>
           </a:p>
@@ -676,7 +684,7 @@
           <a:p>
             <a:fld id="{F07CD3FD-BE54-4400-942B-C6C15AA73DFD}" type="datetimeFigureOut">
               <a:rPr lang="en-US" smtClean="0"/>
-              <a:t>1/25/2024</a:t>
+              <a:t>1/26/2024</a:t>
             </a:fld>
             <a:endParaRPr lang="en-US"/>
           </a:p>
@@ -874,7 +882,7 @@
           <a:p>
             <a:fld id="{F07CD3FD-BE54-4400-942B-C6C15AA73DFD}" type="datetimeFigureOut">
               <a:rPr lang="en-US" smtClean="0"/>
-              <a:t>1/25/2024</a:t>
+              <a:t>1/26/2024</a:t>
             </a:fld>
             <a:endParaRPr lang="en-US"/>
           </a:p>
@@ -1154,7 +1162,7 @@
           <a:p>
             <a:fld id="{F07CD3FD-BE54-4400-942B-C6C15AA73DFD}" type="datetimeFigureOut">
               <a:rPr lang="en-US" smtClean="0"/>
-              <a:t>1/25/2024</a:t>
+              <a:t>1/26/2024</a:t>
             </a:fld>
             <a:endParaRPr lang="en-US"/>
           </a:p>
@@ -1421,7 +1429,7 @@
           <a:p>
             <a:fld id="{F07CD3FD-BE54-4400-942B-C6C15AA73DFD}" type="datetimeFigureOut">
               <a:rPr lang="en-US" smtClean="0"/>
-              <a:t>1/25/2024</a:t>
+              <a:t>1/26/2024</a:t>
             </a:fld>
             <a:endParaRPr lang="en-US"/>
           </a:p>
@@ -1839,7 +1847,7 @@
           <a:p>
             <a:fld id="{F07CD3FD-BE54-4400-942B-C6C15AA73DFD}" type="datetimeFigureOut">
               <a:rPr lang="en-US" smtClean="0"/>
-              <a:t>1/25/2024</a:t>
+              <a:t>1/26/2024</a:t>
             </a:fld>
             <a:endParaRPr lang="en-US"/>
           </a:p>
@@ -1981,7 +1989,7 @@
           <a:p>
             <a:fld id="{F07CD3FD-BE54-4400-942B-C6C15AA73DFD}" type="datetimeFigureOut">
               <a:rPr lang="en-US" smtClean="0"/>
-              <a:t>1/25/2024</a:t>
+              <a:t>1/26/2024</a:t>
             </a:fld>
             <a:endParaRPr lang="en-US"/>
           </a:p>
@@ -2094,7 +2102,7 @@
           <a:p>
             <a:fld id="{F07CD3FD-BE54-4400-942B-C6C15AA73DFD}" type="datetimeFigureOut">
               <a:rPr lang="en-US" smtClean="0"/>
-              <a:t>1/25/2024</a:t>
+              <a:t>1/26/2024</a:t>
             </a:fld>
             <a:endParaRPr lang="en-US"/>
           </a:p>
@@ -2409,7 +2417,7 @@
           <a:p>
             <a:fld id="{F07CD3FD-BE54-4400-942B-C6C15AA73DFD}" type="datetimeFigureOut">
               <a:rPr lang="en-US" smtClean="0"/>
-              <a:t>1/25/2024</a:t>
+              <a:t>1/26/2024</a:t>
             </a:fld>
             <a:endParaRPr lang="en-US"/>
           </a:p>
@@ -2701,7 +2709,7 @@
           <a:p>
             <a:fld id="{F07CD3FD-BE54-4400-942B-C6C15AA73DFD}" type="datetimeFigureOut">
               <a:rPr lang="en-US" smtClean="0"/>
-              <a:t>1/25/2024</a:t>
+              <a:t>1/26/2024</a:t>
             </a:fld>
             <a:endParaRPr lang="en-US"/>
           </a:p>
@@ -2940,7 +2948,7 @@
           <a:p>
             <a:fld id="{F07CD3FD-BE54-4400-942B-C6C15AA73DFD}" type="datetimeFigureOut">
               <a:rPr lang="en-US" smtClean="0"/>
-              <a:t>1/25/2024</a:t>
+              <a:t>1/26/2024</a:t>
             </a:fld>
             <a:endParaRPr lang="en-US"/>
           </a:p>
@@ -3984,6 +3992,66 @@
           <a:chExt cx="0" cy="0"/>
         </a:xfrm>
       </p:grpSpPr>
+      <p:pic>
+        <p:nvPicPr>
+          <p:cNvPr id="4" name="Resim 3">
+            <a:extLst>
+              <a:ext uri="{FF2B5EF4-FFF2-40B4-BE49-F238E27FC236}">
+                <a16:creationId xmlns:a16="http://schemas.microsoft.com/office/drawing/2014/main" id="{EA29832F-4B49-A7F0-343D-7FC7030A4CF6}"/>
+              </a:ext>
+            </a:extLst>
+          </p:cNvPr>
+          <p:cNvPicPr>
+            <a:picLocks noChangeAspect="1"/>
+          </p:cNvPicPr>
+          <p:nvPr/>
+        </p:nvPicPr>
+        <p:blipFill>
+          <a:blip r:embed="rId2"/>
+          <a:stretch>
+            <a:fillRect/>
+          </a:stretch>
+        </p:blipFill>
+        <p:spPr>
+          <a:xfrm>
+            <a:off x="2571258" y="1290339"/>
+            <a:ext cx="7049484" cy="4277322"/>
+          </a:xfrm>
+          <a:prstGeom prst="rect">
+            <a:avLst/>
+          </a:prstGeom>
+        </p:spPr>
+      </p:pic>
+    </p:spTree>
+    <p:extLst>
+      <p:ext uri="{BB962C8B-B14F-4D97-AF65-F5344CB8AC3E}">
+        <p14:creationId xmlns:p14="http://schemas.microsoft.com/office/powerpoint/2010/main" val="1769067397"/>
+      </p:ext>
+    </p:extLst>
+  </p:cSld>
+  <p:clrMapOvr>
+    <a:masterClrMapping/>
+  </p:clrMapOvr>
+</p:sld>
+</file>
+
+<file path=ppt/slides/slide6.xml><?xml version="1.0" encoding="utf-8"?>
+<p:sld xmlns:a="http://schemas.openxmlformats.org/drawingml/2006/main" xmlns:r="http://schemas.openxmlformats.org/officeDocument/2006/relationships" xmlns:p="http://schemas.openxmlformats.org/presentationml/2006/main">
+  <p:cSld>
+    <p:spTree>
+      <p:nvGrpSpPr>
+        <p:cNvPr id="1" name=""/>
+        <p:cNvGrpSpPr/>
+        <p:nvPr/>
+      </p:nvGrpSpPr>
+      <p:grpSpPr>
+        <a:xfrm>
+          <a:off x="0" y="0"/>
+          <a:ext cx="0" cy="0"/>
+          <a:chOff x="0" y="0"/>
+          <a:chExt cx="0" cy="0"/>
+        </a:xfrm>
+      </p:grpSpPr>
       <p:sp>
         <p:nvSpPr>
           <p:cNvPr id="2" name="Başlık 1">
@@ -4107,6 +4175,42 @@
             <a:endParaRPr lang="tr-TR" b="1" dirty="0"/>
           </a:p>
           <a:p>
+            <a:r>
+              <a:rPr lang="tr-TR" b="1" dirty="0" err="1"/>
+              <a:t>Create</a:t>
+            </a:r>
+            <a:r>
+              <a:rPr lang="tr-TR" b="1" dirty="0"/>
+              <a:t> </a:t>
+            </a:r>
+            <a:r>
+              <a:rPr lang="tr-TR" b="1" dirty="0" err="1"/>
+              <a:t>new</a:t>
+            </a:r>
+            <a:r>
+              <a:rPr lang="tr-TR" b="1" dirty="0"/>
+              <a:t> file myfile.py </a:t>
+            </a:r>
+          </a:p>
+          <a:p>
+            <a:r>
+              <a:rPr lang="tr-TR" b="1" dirty="0" err="1"/>
+              <a:t>Django</a:t>
+            </a:r>
+            <a:r>
+              <a:rPr lang="tr-TR" b="1" dirty="0"/>
+              <a:t> ile HTML </a:t>
+            </a:r>
+            <a:r>
+              <a:rPr lang="tr-TR" b="1" dirty="0" err="1"/>
+              <a:t>tagler</a:t>
+            </a:r>
+            <a:r>
+              <a:rPr lang="tr-TR" b="1" dirty="0"/>
+              <a:t> ve içerikler yaratacağız.</a:t>
+            </a:r>
+          </a:p>
+          <a:p>
             <a:endParaRPr lang="tr-TR" dirty="0"/>
           </a:p>
         </p:txBody>
@@ -4115,6 +4219,382 @@
     <p:extLst>
       <p:ext uri="{BB962C8B-B14F-4D97-AF65-F5344CB8AC3E}">
         <p14:creationId xmlns:p14="http://schemas.microsoft.com/office/powerpoint/2010/main" val="512302160"/>
+      </p:ext>
+    </p:extLst>
+  </p:cSld>
+  <p:clrMapOvr>
+    <a:masterClrMapping/>
+  </p:clrMapOvr>
+</p:sld>
+</file>
+
+<file path=ppt/slides/slide7.xml><?xml version="1.0" encoding="utf-8"?>
+<p:sld xmlns:a="http://schemas.openxmlformats.org/drawingml/2006/main" xmlns:r="http://schemas.openxmlformats.org/officeDocument/2006/relationships" xmlns:p="http://schemas.openxmlformats.org/presentationml/2006/main">
+  <p:cSld>
+    <p:spTree>
+      <p:nvGrpSpPr>
+        <p:cNvPr id="1" name=""/>
+        <p:cNvGrpSpPr/>
+        <p:nvPr/>
+      </p:nvGrpSpPr>
+      <p:grpSpPr>
+        <a:xfrm>
+          <a:off x="0" y="0"/>
+          <a:ext cx="0" cy="0"/>
+          <a:chOff x="0" y="0"/>
+          <a:chExt cx="0" cy="0"/>
+        </a:xfrm>
+      </p:grpSpPr>
+      <p:pic>
+        <p:nvPicPr>
+          <p:cNvPr id="9" name="Resim 8">
+            <a:extLst>
+              <a:ext uri="{FF2B5EF4-FFF2-40B4-BE49-F238E27FC236}">
+                <a16:creationId xmlns:a16="http://schemas.microsoft.com/office/drawing/2014/main" id="{CA68DA6B-57FA-6470-0D00-CBEBE0F0ECC6}"/>
+              </a:ext>
+            </a:extLst>
+          </p:cNvPr>
+          <p:cNvPicPr>
+            <a:picLocks noChangeAspect="1"/>
+          </p:cNvPicPr>
+          <p:nvPr/>
+        </p:nvPicPr>
+        <p:blipFill>
+          <a:blip r:embed="rId2"/>
+          <a:stretch>
+            <a:fillRect/>
+          </a:stretch>
+        </p:blipFill>
+        <p:spPr>
+          <a:xfrm>
+            <a:off x="885842" y="434340"/>
+            <a:ext cx="10420316" cy="4682292"/>
+          </a:xfrm>
+          <a:prstGeom prst="rect">
+            <a:avLst/>
+          </a:prstGeom>
+        </p:spPr>
+      </p:pic>
+      <p:sp>
+        <p:nvSpPr>
+          <p:cNvPr id="10" name="Metin kutusu 9">
+            <a:extLst>
+              <a:ext uri="{FF2B5EF4-FFF2-40B4-BE49-F238E27FC236}">
+                <a16:creationId xmlns:a16="http://schemas.microsoft.com/office/drawing/2014/main" id="{300D7AC7-E1F9-822A-E9E8-73B53D53CE38}"/>
+              </a:ext>
+            </a:extLst>
+          </p:cNvPr>
+          <p:cNvSpPr txBox="1"/>
+          <p:nvPr/>
+        </p:nvSpPr>
+        <p:spPr>
+          <a:xfrm>
+            <a:off x="9468974" y="5282504"/>
+            <a:ext cx="1148071" cy="646331"/>
+          </a:xfrm>
+          <a:prstGeom prst="rect">
+            <a:avLst/>
+          </a:prstGeom>
+          <a:noFill/>
+        </p:spPr>
+        <p:txBody>
+          <a:bodyPr wrap="none" rtlCol="0">
+            <a:spAutoFit/>
+          </a:bodyPr>
+          <a:lstStyle/>
+          <a:p>
+            <a:pPr algn="ctr"/>
+            <a:r>
+              <a:rPr lang="tr-TR" dirty="0"/>
+              <a:t>CSS </a:t>
+            </a:r>
+          </a:p>
+          <a:p>
+            <a:pPr algn="ctr"/>
+            <a:r>
+              <a:rPr lang="tr-TR" dirty="0"/>
+              <a:t>ile </a:t>
+            </a:r>
+            <a:r>
+              <a:rPr lang="tr-TR" dirty="0" err="1"/>
+              <a:t>styling</a:t>
+            </a:r>
+            <a:endParaRPr lang="tr-TR" dirty="0"/>
+          </a:p>
+        </p:txBody>
+      </p:sp>
+      <p:sp>
+        <p:nvSpPr>
+          <p:cNvPr id="11" name="Metin kutusu 10">
+            <a:extLst>
+              <a:ext uri="{FF2B5EF4-FFF2-40B4-BE49-F238E27FC236}">
+                <a16:creationId xmlns:a16="http://schemas.microsoft.com/office/drawing/2014/main" id="{7A7A1348-29AA-D178-8682-AEDEAB32D848}"/>
+              </a:ext>
+            </a:extLst>
+          </p:cNvPr>
+          <p:cNvSpPr txBox="1"/>
+          <p:nvPr/>
+        </p:nvSpPr>
+        <p:spPr>
+          <a:xfrm>
+            <a:off x="5525119" y="5236338"/>
+            <a:ext cx="764953" cy="369332"/>
+          </a:xfrm>
+          <a:prstGeom prst="rect">
+            <a:avLst/>
+          </a:prstGeom>
+          <a:noFill/>
+        </p:spPr>
+        <p:txBody>
+          <a:bodyPr wrap="none" rtlCol="0">
+            <a:spAutoFit/>
+          </a:bodyPr>
+          <a:lstStyle/>
+          <a:p>
+            <a:r>
+              <a:rPr lang="tr-TR" dirty="0"/>
+              <a:t>HTML</a:t>
+            </a:r>
+          </a:p>
+        </p:txBody>
+      </p:sp>
+      <p:sp>
+        <p:nvSpPr>
+          <p:cNvPr id="12" name="Metin kutusu 11">
+            <a:extLst>
+              <a:ext uri="{FF2B5EF4-FFF2-40B4-BE49-F238E27FC236}">
+                <a16:creationId xmlns:a16="http://schemas.microsoft.com/office/drawing/2014/main" id="{ED3B63BE-023B-6CCC-4981-D79912590216}"/>
+              </a:ext>
+            </a:extLst>
+          </p:cNvPr>
+          <p:cNvSpPr txBox="1"/>
+          <p:nvPr/>
+        </p:nvSpPr>
+        <p:spPr>
+          <a:xfrm>
+            <a:off x="1574955" y="5236338"/>
+            <a:ext cx="1162498" cy="369332"/>
+          </a:xfrm>
+          <a:prstGeom prst="rect">
+            <a:avLst/>
+          </a:prstGeom>
+          <a:noFill/>
+        </p:spPr>
+        <p:txBody>
+          <a:bodyPr wrap="none" rtlCol="0">
+            <a:spAutoFit/>
+          </a:bodyPr>
+          <a:lstStyle/>
+          <a:p>
+            <a:r>
+              <a:rPr lang="tr-TR" dirty="0"/>
+              <a:t>Web </a:t>
+            </a:r>
+            <a:r>
+              <a:rPr lang="tr-TR" dirty="0" err="1"/>
+              <a:t>page</a:t>
+            </a:r>
+            <a:endParaRPr lang="tr-TR" dirty="0"/>
+          </a:p>
+        </p:txBody>
+      </p:sp>
+    </p:spTree>
+    <p:extLst>
+      <p:ext uri="{BB962C8B-B14F-4D97-AF65-F5344CB8AC3E}">
+        <p14:creationId xmlns:p14="http://schemas.microsoft.com/office/powerpoint/2010/main" val="4003135366"/>
+      </p:ext>
+    </p:extLst>
+  </p:cSld>
+  <p:clrMapOvr>
+    <a:masterClrMapping/>
+  </p:clrMapOvr>
+</p:sld>
+</file>
+
+<file path=ppt/slides/slide8.xml><?xml version="1.0" encoding="utf-8"?>
+<p:sld xmlns:a="http://schemas.openxmlformats.org/drawingml/2006/main" xmlns:r="http://schemas.openxmlformats.org/officeDocument/2006/relationships" xmlns:p="http://schemas.openxmlformats.org/presentationml/2006/main">
+  <p:cSld>
+    <p:spTree>
+      <p:nvGrpSpPr>
+        <p:cNvPr id="1" name=""/>
+        <p:cNvGrpSpPr/>
+        <p:nvPr/>
+      </p:nvGrpSpPr>
+      <p:grpSpPr>
+        <a:xfrm>
+          <a:off x="0" y="0"/>
+          <a:ext cx="0" cy="0"/>
+          <a:chOff x="0" y="0"/>
+          <a:chExt cx="0" cy="0"/>
+        </a:xfrm>
+      </p:grpSpPr>
+      <p:sp>
+        <p:nvSpPr>
+          <p:cNvPr id="2" name="Başlık 1">
+            <a:extLst>
+              <a:ext uri="{FF2B5EF4-FFF2-40B4-BE49-F238E27FC236}">
+                <a16:creationId xmlns:a16="http://schemas.microsoft.com/office/drawing/2014/main" id="{FD902167-2C0E-90E7-B291-1BF9A13CD585}"/>
+              </a:ext>
+            </a:extLst>
+          </p:cNvPr>
+          <p:cNvSpPr>
+            <a:spLocks noGrp="1"/>
+          </p:cNvSpPr>
+          <p:nvPr>
+            <p:ph type="title"/>
+          </p:nvPr>
+        </p:nvSpPr>
+        <p:spPr>
+          <a:xfrm>
+            <a:off x="2133600" y="628651"/>
+            <a:ext cx="10363200" cy="1187570"/>
+          </a:xfrm>
+        </p:spPr>
+        <p:txBody>
+          <a:bodyPr/>
+          <a:lstStyle/>
+          <a:p>
+            <a:r>
+              <a:rPr lang="tr-TR" dirty="0"/>
+              <a:t>Log </a:t>
+            </a:r>
+            <a:r>
+              <a:rPr lang="tr-TR" dirty="0" err="1"/>
+              <a:t>Book</a:t>
+            </a:r>
+            <a:endParaRPr lang="tr-TR" dirty="0"/>
+          </a:p>
+        </p:txBody>
+      </p:sp>
+      <p:sp>
+        <p:nvSpPr>
+          <p:cNvPr id="3" name="İçerik Yer Tutucusu 2">
+            <a:extLst>
+              <a:ext uri="{FF2B5EF4-FFF2-40B4-BE49-F238E27FC236}">
+                <a16:creationId xmlns:a16="http://schemas.microsoft.com/office/drawing/2014/main" id="{A164A6F8-BB77-88EF-6EEF-1CCDC580581A}"/>
+              </a:ext>
+            </a:extLst>
+          </p:cNvPr>
+          <p:cNvSpPr>
+            <a:spLocks noGrp="1"/>
+          </p:cNvSpPr>
+          <p:nvPr>
+            <p:ph idx="1"/>
+          </p:nvPr>
+        </p:nvSpPr>
+        <p:spPr>
+          <a:xfrm>
+            <a:off x="914399" y="1466850"/>
+            <a:ext cx="10363200" cy="4474979"/>
+          </a:xfrm>
+        </p:spPr>
+        <p:txBody>
+          <a:bodyPr/>
+          <a:lstStyle/>
+          <a:p>
+            <a:r>
+              <a:rPr lang="tr-TR" b="1" dirty="0"/>
+              <a:t>25.01.2024: Visual </a:t>
+            </a:r>
+            <a:r>
+              <a:rPr lang="tr-TR" b="1" dirty="0" err="1"/>
+              <a:t>Studio</a:t>
+            </a:r>
+            <a:r>
+              <a:rPr lang="tr-TR" b="1" dirty="0"/>
+              <a:t> </a:t>
+            </a:r>
+            <a:r>
+              <a:rPr lang="tr-TR" b="1" dirty="0" err="1"/>
+              <a:t>Code</a:t>
+            </a:r>
+            <a:r>
+              <a:rPr lang="tr-TR" b="1" dirty="0"/>
+              <a:t> yüklendi (V1.85.2)</a:t>
+            </a:r>
+          </a:p>
+          <a:p>
+            <a:r>
+              <a:rPr lang="tr-TR" b="1" dirty="0" err="1"/>
+              <a:t>Command</a:t>
+            </a:r>
+            <a:r>
+              <a:rPr lang="tr-TR" b="1" dirty="0"/>
+              <a:t> </a:t>
+            </a:r>
+            <a:r>
+              <a:rPr lang="tr-TR" b="1" dirty="0" err="1"/>
+              <a:t>prompt</a:t>
+            </a:r>
+            <a:r>
+              <a:rPr lang="tr-TR" b="1" dirty="0"/>
+              <a:t> aç</a:t>
+            </a:r>
+          </a:p>
+          <a:p>
+            <a:r>
+              <a:rPr lang="tr-TR" b="1" dirty="0"/>
+              <a:t>C:\ALL_FILES\CODING\GitHub\MarkovMarkowitz\DJANGO&gt;pip </a:t>
+            </a:r>
+            <a:r>
+              <a:rPr lang="tr-TR" b="1" dirty="0" err="1"/>
+              <a:t>install</a:t>
+            </a:r>
+            <a:r>
+              <a:rPr lang="tr-TR" b="1" dirty="0"/>
+              <a:t> </a:t>
+            </a:r>
+            <a:r>
+              <a:rPr lang="tr-TR" b="1" dirty="0" err="1"/>
+              <a:t>django</a:t>
+            </a:r>
+            <a:endParaRPr lang="tr-TR" b="1" dirty="0"/>
+          </a:p>
+          <a:p>
+            <a:r>
+              <a:rPr lang="tr-TR" b="1" dirty="0" err="1"/>
+              <a:t>Create</a:t>
+            </a:r>
+            <a:r>
+              <a:rPr lang="tr-TR" b="1" dirty="0"/>
+              <a:t> </a:t>
+            </a:r>
+            <a:r>
+              <a:rPr lang="tr-TR" b="1" dirty="0" err="1"/>
+              <a:t>new</a:t>
+            </a:r>
+            <a:r>
+              <a:rPr lang="tr-TR" b="1" dirty="0"/>
+              <a:t> file myfile.py </a:t>
+            </a:r>
+          </a:p>
+          <a:p>
+            <a:r>
+              <a:rPr lang="tr-TR" b="1" dirty="0" err="1"/>
+              <a:t>Django</a:t>
+            </a:r>
+            <a:r>
+              <a:rPr lang="tr-TR" b="1" dirty="0"/>
+              <a:t> ile HTML </a:t>
+            </a:r>
+            <a:r>
+              <a:rPr lang="tr-TR" b="1" dirty="0" err="1"/>
+              <a:t>tagler</a:t>
+            </a:r>
+            <a:r>
+              <a:rPr lang="tr-TR" b="1" dirty="0"/>
+              <a:t> ve içerikler yaratacağız.</a:t>
+            </a:r>
+          </a:p>
+          <a:p>
+            <a:endParaRPr lang="tr-TR" dirty="0"/>
+          </a:p>
+        </p:txBody>
+      </p:sp>
+    </p:spTree>
+    <p:extLst>
+      <p:ext uri="{BB962C8B-B14F-4D97-AF65-F5344CB8AC3E}">
+        <p14:creationId xmlns:p14="http://schemas.microsoft.com/office/powerpoint/2010/main" val="2717773868"/>
       </p:ext>
     </p:extLst>
   </p:cSld>
